--- a/progetto/src/docs/pptx/BATTAGLIA NAVALE.pptx
+++ b/progetto/src/docs/pptx/BATTAGLIA NAVALE.pptx
@@ -3742,10 +3742,10 @@
       </p:grpSpPr>
       <p:pic>
         <p:nvPicPr>
-          <p:cNvPr id="5" name="Immagine 4">
-            <a:extLst>
-              <a:ext uri="{FF2B5EF4-FFF2-40B4-BE49-F238E27FC236}">
-                <a16:creationId xmlns:a16="http://schemas.microsoft.com/office/drawing/2014/main" id="{05AA165E-7DC5-9040-5702-C6840384AD4E}"/>
+          <p:cNvPr id="4" name="Immagine 3">
+            <a:extLst>
+              <a:ext uri="{FF2B5EF4-FFF2-40B4-BE49-F238E27FC236}">
+                <a16:creationId xmlns:a16="http://schemas.microsoft.com/office/drawing/2014/main" id="{1A3CF69C-4D7E-71AE-C9F2-DEEF4BFAF53E}"/>
               </a:ext>
             </a:extLst>
           </p:cNvPr>
@@ -3762,8 +3762,8 @@
         </p:blipFill>
         <p:spPr>
           <a:xfrm>
-            <a:off x="68983" y="0"/>
-            <a:ext cx="12054034" cy="6858000"/>
+            <a:off x="29554" y="0"/>
+            <a:ext cx="12132891" cy="6858000"/>
           </a:xfrm>
           <a:prstGeom prst="rect">
             <a:avLst/>
